--- a/LIR_Symposium_Islami_Beyer_2024SEP21_2pm_mab.pptx
+++ b/LIR_Symposium_Islami_Beyer_2024SEP21_2pm_mab.pptx
@@ -3917,7 +3917,7 @@
         <p:spPr>
           <a:xfrm>
             <a:off x="975676" y="37063541"/>
-            <a:ext cx="28315602" cy="2400657"/>
+            <a:ext cx="28315602" cy="2215991"/>
           </a:xfrm>
           <a:prstGeom prst="rect">
             <a:avLst/>
@@ -3952,12 +3952,12 @@
           <a:p>
             <a:pPr defTabSz="360000"/>
             <a:r>
-              <a:rPr lang="en-US" sz="2800" dirty="0">
+              <a:rPr lang="en-US" sz="2400" dirty="0">
                 <a:latin typeface="+mj-lt"/>
               </a:rPr>
-              <a:t>Luminescence heatmaps revealed differences in neural activity between R+ (resilient) and R- (susceptible) groups following Auditory Fear Conditioning. While R- animals seem to maintain a constant level of network complexity, the R+ group exhibited a decrease in complexity as extinction progressed over subsequent days. Network metrics revealed a greater reduction in cohesion for R+ animals over time, indicating altered connectivity during extinction. Further analysis is needed to validate these preliminary findings.</a:t>
-            </a:r>
-            <a:endParaRPr lang="en-US" sz="1600" dirty="0"/>
+              <a:t>Luminescence heatmaps revealed differences in neural activity between R+ (resilient) and R- (susceptible) groups following Auditory Fear Conditioning, with R- showing more activation to the expected shock. While R- animals seem to maintain a constant level of network complexity, the R+ group exhibited a decrease in complexity as extinction progressed over subsequent days. Network metrics revealed a greater reduction in complexity for R+ animals over time, indicating altered connectivity during extinction. Further analysis is needed to validate these preliminary findings.</a:t>
+            </a:r>
+            <a:endParaRPr lang="en-US" sz="1400" dirty="0"/>
           </a:p>
         </p:txBody>
       </p:sp>
@@ -4693,7 +4693,7 @@
         <p:spPr>
           <a:xfrm>
             <a:off x="15552446" y="20257306"/>
-            <a:ext cx="13738832" cy="15900700"/>
+            <a:ext cx="13738832" cy="16398272"/>
           </a:xfrm>
           <a:prstGeom prst="rect">
             <a:avLst/>
@@ -4858,7 +4858,36 @@
           <a:p>
             <a:pPr algn="just">
               <a:lnSpc>
-                <a:spcPct val="107000"/>
+                <a:spcPct val="115000"/>
+              </a:lnSpc>
+              <a:spcAft>
+                <a:spcPts val="800"/>
+              </a:spcAft>
+            </a:pPr>
+            <a:endParaRPr lang="en-US" sz="1050" dirty="0">
+              <a:latin typeface="+mj-lt"/>
+            </a:endParaRPr>
+          </a:p>
+          <a:p>
+            <a:pPr algn="just">
+              <a:lnSpc>
+                <a:spcPct val="115000"/>
+              </a:lnSpc>
+              <a:spcAft>
+                <a:spcPts val="800"/>
+              </a:spcAft>
+            </a:pPr>
+            <a:r>
+              <a:rPr lang="en-US" sz="2800" dirty="0">
+                <a:latin typeface="+mj-lt"/>
+              </a:rPr>
+              <a:t>In this preliminary analysis, density remains relatively constant for both R+ (resilient) and R- (susceptible) networks, with R+ showing slightly higher density, though R- networks have more nodes overall. Transitivity and the average clustering coefficient decrease more in R+ over time, indicating a greater reduction in network complexity and the average number of triangles connected to a node, particularly in the R+ group. R+ shows a stronger decrease during extinction, compared to R-.</a:t>
+            </a:r>
+          </a:p>
+          <a:p>
+            <a:pPr algn="just">
+              <a:lnSpc>
+                <a:spcPct val="115000"/>
               </a:lnSpc>
               <a:spcAft>
                 <a:spcPts val="800"/>
@@ -4877,12 +4906,9 @@
                 <a:spcPts val="800"/>
               </a:spcAft>
             </a:pPr>
-            <a:r>
-              <a:rPr lang="en-US" sz="2800" dirty="0">
-                <a:latin typeface="+mj-lt"/>
-              </a:rPr>
-              <a:t>In the analysis, density remains relatively constant for both R+ (resilient) and R- (susceptible) networks, with R+ showing slightly higher density, though R- networks have more nodes overall. Transitivity and the average clustering coefficient decrease more in R+ over time, indicating a greater reduction in network cohesion and the average number of triangles connected to a node, particularly in the R+ group. R+ shows a stronger decrease during extinction, compared to R-.</a:t>
-            </a:r>
+            <a:endParaRPr lang="en-US" sz="2400" dirty="0">
+              <a:latin typeface="+mj-lt"/>
+            </a:endParaRPr>
           </a:p>
           <a:p>
             <a:pPr algn="just">
@@ -4966,14 +4992,11 @@
           </a:p>
           <a:p>
             <a:pPr algn="just">
-              <a:lnSpc>
-                <a:spcPct val="115000"/>
-              </a:lnSpc>
               <a:spcAft>
                 <a:spcPts val="800"/>
               </a:spcAft>
             </a:pPr>
-            <a:endParaRPr lang="en-US" sz="2400" dirty="0">
+            <a:endParaRPr lang="en-US" sz="1600" dirty="0">
               <a:highlight>
                 <a:srgbClr val="FFFF00"/>
               </a:highlight>
@@ -4985,28 +5008,18 @@
               <a:lnSpc>
                 <a:spcPct val="115000"/>
               </a:lnSpc>
-              <a:spcAft>
-                <a:spcPts val="800"/>
-              </a:spcAft>
             </a:pPr>
-            <a:endParaRPr lang="en-US" sz="2800" dirty="0">
-              <a:highlight>
-                <a:srgbClr val="FFFF00"/>
-              </a:highlight>
-              <a:latin typeface="+mj-lt"/>
-            </a:endParaRPr>
-          </a:p>
-          <a:p>
-            <a:pPr algn="just">
-              <a:lnSpc>
-                <a:spcPct val="115000"/>
-              </a:lnSpc>
-            </a:pPr>
-            <a:r>
-              <a:rPr lang="en-US" sz="2800" b="1" i="1" dirty="0">
+            <a:r>
+              <a:rPr lang="en-US" sz="2400" b="1" i="1" dirty="0">
                 <a:latin typeface="+mj-lt"/>
               </a:rPr>
-              <a:t>Networks are constructed for individual animals (R+ left, R- right) with a threshold of 0.2 to access connectivity. Extinction Day 1 and 4 are visualized.</a:t>
+              <a:t>Networks are constructed for individual animals (R+ left, R- right) with a threshold of 0.2 to access connectivity. </a:t>
+            </a:r>
+            <a:r>
+              <a:rPr lang="en-US" sz="2400" dirty="0">
+                <a:latin typeface="+mj-lt"/>
+              </a:rPr>
+              <a:t>Extinction Day 1 and 4 are visualized. R+ shows a decrease in transitivity and complexity from day 1 to 4, whereas R- remains same (similar transitivity over extinction days)</a:t>
             </a:r>
           </a:p>
         </p:txBody>
@@ -5025,8 +5038,8 @@
         </p:nvGrpSpPr>
         <p:grpSpPr>
           <a:xfrm>
-            <a:off x="932918" y="20257307"/>
-            <a:ext cx="14157961" cy="16342934"/>
+            <a:off x="932918" y="20257306"/>
+            <a:ext cx="14157961" cy="16398271"/>
             <a:chOff x="975675" y="20511539"/>
             <a:chExt cx="14157961" cy="16342935"/>
           </a:xfrm>
@@ -5268,7 +5281,7 @@
           <p:spPr>
             <a:xfrm>
               <a:off x="1195371" y="21642886"/>
-              <a:ext cx="13604039" cy="15111830"/>
+              <a:ext cx="13604039" cy="12218731"/>
             </a:xfrm>
             <a:prstGeom prst="rect">
               <a:avLst/>
@@ -5280,6 +5293,87 @@
               <a:spAutoFit/>
             </a:bodyPr>
             <a:lstStyle/>
+            <a:p>
+              <a:pPr marL="0" marR="0" lvl="0" indent="0" algn="just" defTabSz="457200" rtl="0" eaLnBrk="1" fontAlgn="auto" latinLnBrk="0" hangingPunct="1">
+                <a:lnSpc>
+                  <a:spcPct val="100000"/>
+                </a:lnSpc>
+                <a:spcBef>
+                  <a:spcPts val="0"/>
+                </a:spcBef>
+                <a:spcAft>
+                  <a:spcPts val="0"/>
+                </a:spcAft>
+                <a:buClr>
+                  <a:srgbClr val="A5A5A5">
+                    <a:lumMod val="75000"/>
+                  </a:srgbClr>
+                </a:buClr>
+                <a:buSzTx/>
+                <a:buFontTx/>
+                <a:buNone/>
+                <a:tabLst/>
+                <a:defRPr/>
+              </a:pPr>
+              <a:r>
+                <a:rPr lang="en-US" sz="2800" dirty="0">
+                  <a:latin typeface="+mj-lt"/>
+                </a:rPr>
+                <a:t>Neuronal activity can be measured by calcium imaging, with high luminance indicating high levels of neuronal activity.</a:t>
+              </a:r>
+            </a:p>
+            <a:p>
+              <a:pPr marL="0" marR="0" lvl="0" indent="0" algn="just" defTabSz="457200" rtl="0" eaLnBrk="1" fontAlgn="auto" latinLnBrk="0" hangingPunct="1">
+                <a:lnSpc>
+                  <a:spcPct val="100000"/>
+                </a:lnSpc>
+                <a:spcBef>
+                  <a:spcPts val="0"/>
+                </a:spcBef>
+                <a:spcAft>
+                  <a:spcPts val="0"/>
+                </a:spcAft>
+                <a:buClr>
+                  <a:srgbClr val="A5A5A5">
+                    <a:lumMod val="75000"/>
+                  </a:srgbClr>
+                </a:buClr>
+                <a:buSzTx/>
+                <a:buFontTx/>
+                <a:buNone/>
+                <a:tabLst/>
+                <a:defRPr/>
+              </a:pPr>
+              <a:endParaRPr lang="en-US" sz="2800" dirty="0">
+                <a:latin typeface="+mj-lt"/>
+              </a:endParaRPr>
+            </a:p>
+            <a:p>
+              <a:pPr marL="0" marR="0" lvl="0" indent="0" algn="just" defTabSz="457200" rtl="0" eaLnBrk="1" fontAlgn="auto" latinLnBrk="0" hangingPunct="1">
+                <a:lnSpc>
+                  <a:spcPct val="100000"/>
+                </a:lnSpc>
+                <a:spcBef>
+                  <a:spcPts val="0"/>
+                </a:spcBef>
+                <a:spcAft>
+                  <a:spcPts val="0"/>
+                </a:spcAft>
+                <a:buClr>
+                  <a:srgbClr val="A5A5A5">
+                    <a:lumMod val="75000"/>
+                  </a:srgbClr>
+                </a:buClr>
+                <a:buSzTx/>
+                <a:buFontTx/>
+                <a:buNone/>
+                <a:tabLst/>
+                <a:defRPr/>
+              </a:pPr>
+              <a:endParaRPr lang="en-US" sz="2800" dirty="0">
+                <a:latin typeface="+mj-lt"/>
+              </a:endParaRPr>
+            </a:p>
             <a:p>
               <a:pPr marL="0" marR="0" lvl="0" indent="0" algn="just" defTabSz="457200" rtl="0" eaLnBrk="1" fontAlgn="auto" latinLnBrk="0" hangingPunct="1">
                 <a:lnSpc>
@@ -5307,204 +5401,6 @@
               </a:endParaRPr>
             </a:p>
             <a:p>
-              <a:pPr marL="0" marR="0" lvl="0" indent="0" algn="just" defTabSz="457200" rtl="0" eaLnBrk="1" fontAlgn="auto" latinLnBrk="0" hangingPunct="1">
-                <a:lnSpc>
-                  <a:spcPct val="100000"/>
-                </a:lnSpc>
-                <a:spcBef>
-                  <a:spcPts val="0"/>
-                </a:spcBef>
-                <a:spcAft>
-                  <a:spcPts val="0"/>
-                </a:spcAft>
-                <a:buClr>
-                  <a:srgbClr val="A5A5A5">
-                    <a:lumMod val="75000"/>
-                  </a:srgbClr>
-                </a:buClr>
-                <a:buSzTx/>
-                <a:buFontTx/>
-                <a:buNone/>
-                <a:tabLst/>
-                <a:defRPr/>
-              </a:pPr>
-              <a:endParaRPr lang="en-US" sz="3200" dirty="0">
-                <a:latin typeface="+mj-lt"/>
-              </a:endParaRPr>
-            </a:p>
-            <a:p>
-              <a:pPr marL="0" marR="0" lvl="0" indent="0" algn="just" defTabSz="457200" rtl="0" eaLnBrk="1" fontAlgn="auto" latinLnBrk="0" hangingPunct="1">
-                <a:lnSpc>
-                  <a:spcPct val="100000"/>
-                </a:lnSpc>
-                <a:spcBef>
-                  <a:spcPts val="0"/>
-                </a:spcBef>
-                <a:spcAft>
-                  <a:spcPts val="0"/>
-                </a:spcAft>
-                <a:buClr>
-                  <a:srgbClr val="A5A5A5">
-                    <a:lumMod val="75000"/>
-                  </a:srgbClr>
-                </a:buClr>
-                <a:buSzTx/>
-                <a:buFontTx/>
-                <a:buNone/>
-                <a:tabLst/>
-                <a:defRPr/>
-              </a:pPr>
-              <a:endParaRPr lang="en-US" sz="3200" dirty="0">
-                <a:latin typeface="+mj-lt"/>
-              </a:endParaRPr>
-            </a:p>
-            <a:p>
-              <a:pPr marL="0" marR="0" lvl="0" indent="0" algn="just" defTabSz="457200" rtl="0" eaLnBrk="1" fontAlgn="auto" latinLnBrk="0" hangingPunct="1">
-                <a:lnSpc>
-                  <a:spcPct val="100000"/>
-                </a:lnSpc>
-                <a:spcBef>
-                  <a:spcPts val="0"/>
-                </a:spcBef>
-                <a:spcAft>
-                  <a:spcPts val="0"/>
-                </a:spcAft>
-                <a:buClr>
-                  <a:srgbClr val="A5A5A5">
-                    <a:lumMod val="75000"/>
-                  </a:srgbClr>
-                </a:buClr>
-                <a:buSzTx/>
-                <a:buFontTx/>
-                <a:buNone/>
-                <a:tabLst/>
-                <a:defRPr/>
-              </a:pPr>
-              <a:endParaRPr lang="en-US" sz="3200" dirty="0">
-                <a:latin typeface="+mj-lt"/>
-              </a:endParaRPr>
-            </a:p>
-            <a:p>
-              <a:pPr marL="0" marR="0" lvl="0" indent="0" algn="just" defTabSz="457200" rtl="0" eaLnBrk="1" fontAlgn="auto" latinLnBrk="0" hangingPunct="1">
-                <a:lnSpc>
-                  <a:spcPct val="100000"/>
-                </a:lnSpc>
-                <a:spcBef>
-                  <a:spcPts val="0"/>
-                </a:spcBef>
-                <a:spcAft>
-                  <a:spcPts val="0"/>
-                </a:spcAft>
-                <a:buClr>
-                  <a:srgbClr val="A5A5A5">
-                    <a:lumMod val="75000"/>
-                  </a:srgbClr>
-                </a:buClr>
-                <a:buSzTx/>
-                <a:buFontTx/>
-                <a:buNone/>
-                <a:tabLst/>
-                <a:defRPr/>
-              </a:pPr>
-              <a:endParaRPr lang="en-US" sz="3200" dirty="0">
-                <a:latin typeface="+mj-lt"/>
-              </a:endParaRPr>
-            </a:p>
-            <a:p>
-              <a:pPr marL="0" marR="0" lvl="0" indent="0" algn="just" defTabSz="457200" rtl="0" eaLnBrk="1" fontAlgn="auto" latinLnBrk="0" hangingPunct="1">
-                <a:lnSpc>
-                  <a:spcPct val="100000"/>
-                </a:lnSpc>
-                <a:spcBef>
-                  <a:spcPts val="0"/>
-                </a:spcBef>
-                <a:spcAft>
-                  <a:spcPts val="0"/>
-                </a:spcAft>
-                <a:buClr>
-                  <a:srgbClr val="A5A5A5">
-                    <a:lumMod val="75000"/>
-                  </a:srgbClr>
-                </a:buClr>
-                <a:buSzTx/>
-                <a:buFontTx/>
-                <a:buNone/>
-                <a:tabLst/>
-                <a:defRPr/>
-              </a:pPr>
-              <a:endParaRPr lang="en-US" sz="3200" dirty="0">
-                <a:latin typeface="+mj-lt"/>
-              </a:endParaRPr>
-            </a:p>
-            <a:p>
-              <a:pPr marL="0" marR="0" lvl="0" indent="0" algn="just" defTabSz="457200" rtl="0" eaLnBrk="1" fontAlgn="auto" latinLnBrk="0" hangingPunct="1">
-                <a:lnSpc>
-                  <a:spcPct val="100000"/>
-                </a:lnSpc>
-                <a:spcBef>
-                  <a:spcPts val="0"/>
-                </a:spcBef>
-                <a:spcAft>
-                  <a:spcPts val="0"/>
-                </a:spcAft>
-                <a:buClr>
-                  <a:srgbClr val="A5A5A5">
-                    <a:lumMod val="75000"/>
-                  </a:srgbClr>
-                </a:buClr>
-                <a:buSzTx/>
-                <a:buFontTx/>
-                <a:buNone/>
-                <a:tabLst/>
-                <a:defRPr/>
-              </a:pPr>
-              <a:endParaRPr lang="en-US" sz="3200" dirty="0">
-                <a:latin typeface="+mj-lt"/>
-              </a:endParaRPr>
-            </a:p>
-            <a:p>
-              <a:pPr marL="0" marR="0" lvl="0" indent="0" algn="just" defTabSz="457200" rtl="0" eaLnBrk="1" fontAlgn="auto" latinLnBrk="0" hangingPunct="1">
-                <a:lnSpc>
-                  <a:spcPct val="100000"/>
-                </a:lnSpc>
-                <a:spcBef>
-                  <a:spcPts val="0"/>
-                </a:spcBef>
-                <a:spcAft>
-                  <a:spcPts val="0"/>
-                </a:spcAft>
-                <a:buClr>
-                  <a:srgbClr val="A5A5A5">
-                    <a:lumMod val="75000"/>
-                  </a:srgbClr>
-                </a:buClr>
-                <a:buSzTx/>
-                <a:buFontTx/>
-                <a:buNone/>
-                <a:tabLst/>
-                <a:defRPr/>
-              </a:pPr>
-              <a:r>
-                <a:rPr lang="en-US" sz="3200" dirty="0">
-                  <a:latin typeface="+mj-lt"/>
-                </a:rPr>
-                <a:t>In calcium imaging, luminescence heatmaps are used to visualize quantitative neural activity by displaying fluorescence intensities that correspond to changes in intracellular calcium levels, serving as indicators of neuronal activation.</a:t>
-              </a:r>
-            </a:p>
-            <a:p>
-              <a:pPr algn="just">
-                <a:buClr>
-                  <a:srgbClr val="A5A5A5">
-                    <a:lumMod val="75000"/>
-                  </a:srgbClr>
-                </a:buClr>
-                <a:defRPr/>
-              </a:pPr>
-              <a:endParaRPr lang="en-US" sz="3200" dirty="0">
-                <a:latin typeface="+mj-lt"/>
-              </a:endParaRPr>
-            </a:p>
-            <a:p>
               <a:pPr algn="just">
                 <a:buClr>
                   <a:srgbClr val="A5A5A5">
@@ -5649,11 +5545,30 @@
                 </a:rPr>
               </a:br>
               <a:r>
-                <a:rPr lang="en-US" sz="2800" b="1" i="1" dirty="0">
+                <a:rPr lang="en-US" sz="2400" b="1" i="1" dirty="0">
                   <a:latin typeface="+mj-lt"/>
                 </a:rPr>
                 <a:t>Luminance plot for Extinction Day 1 to 4 showing mean luminance (z-score normalized) in the time interval preceding, during and following the CS+ event. </a:t>
               </a:r>
+              <a:r>
+                <a:rPr lang="en-US" sz="2400" dirty="0">
+                  <a:latin typeface="+mj-lt"/>
+                </a:rPr>
+                <a:t>Dark colors indicate low or no neuronal activity, while lighter colors show high neuronal activity (Preliminary results).</a:t>
+              </a:r>
+              <a:endParaRPr lang="en-US" sz="2400" b="1" i="1" dirty="0">
+                <a:latin typeface="+mj-lt"/>
+              </a:endParaRPr>
+            </a:p>
+            <a:p>
+              <a:pPr algn="just">
+                <a:buClr>
+                  <a:srgbClr val="A5A5A5">
+                    <a:lumMod val="75000"/>
+                  </a:srgbClr>
+                </a:buClr>
+                <a:defRPr/>
+              </a:pPr>
               <a:endParaRPr lang="en-US" sz="3200" dirty="0">
                 <a:latin typeface="+mj-lt"/>
               </a:endParaRPr>
@@ -5671,7 +5586,7 @@
                 <a:rPr lang="en-US" sz="2800" dirty="0">
                   <a:latin typeface="+mj-lt"/>
                 </a:rPr>
-                <a:t>The mean luminance for all animals was plotted, with R+ (resilient) and R- (susceptible) groups shown separately. Dark colors indicate low or no neuronal activity, while lighter colors show high neuronal activity. </a:t>
+                <a:t>The data represents the average across all neurons and CS+ tone presentations after Auditory Fear Conditioning. Three vertical lines mark 1.)  the onset of the tone, 2.) the expected shock timing, and 3.) the tone's end. Shown data suggest that R- animals display a stronger response to the expected shock timing, especially on days 1 and 2, with this response diminishing over time, indicating extinction. Mean neuronal activity differs for R+ and R- animals in response to CS+ tones. </a:t>
               </a:r>
             </a:p>
             <a:p>
@@ -5683,12 +5598,9 @@
                 </a:buClr>
                 <a:defRPr/>
               </a:pPr>
-              <a:r>
-                <a:rPr lang="en-US" sz="2800" dirty="0">
-                  <a:latin typeface="+mj-lt"/>
-                </a:rPr>
-                <a:t>The data represents the average across all neurons and CS+ tone presentations after Auditory Fear Conditioning. Three vertical lines mark 1.)  the onset of the tone, 2.) the expected shock timing, and 3.) the tone's end. Shown data suggest that R- animals display a stronger response to the expected shock timing, especially on days 1 and 2, with this response diminishing over time, indicating extinction.</a:t>
-              </a:r>
+              <a:endParaRPr lang="en-US" sz="2800" dirty="0">
+                <a:latin typeface="+mj-lt"/>
+              </a:endParaRPr>
             </a:p>
           </p:txBody>
         </p:sp>
@@ -5707,10 +5619,10 @@
         </p:nvGrpSpPr>
         <p:grpSpPr>
           <a:xfrm>
-            <a:off x="16072008" y="31017338"/>
-            <a:ext cx="12860656" cy="3728957"/>
-            <a:chOff x="15825792" y="26500072"/>
-            <a:chExt cx="12556440" cy="3410757"/>
+            <a:off x="15982054" y="31237975"/>
+            <a:ext cx="12860656" cy="3410838"/>
+            <a:chOff x="15825792" y="26791045"/>
+            <a:chExt cx="12556440" cy="3119784"/>
           </a:xfrm>
         </p:grpSpPr>
         <p:pic>
@@ -5979,59 +5891,6 @@
         </p:pic>
         <p:sp>
           <p:nvSpPr>
-            <p:cNvPr id="17" name="TextBox 1343">
-              <a:extLst>
-                <a:ext uri="{FF2B5EF4-FFF2-40B4-BE49-F238E27FC236}">
-                  <a16:creationId xmlns:a16="http://schemas.microsoft.com/office/drawing/2014/main" id="{F90722F2-3CA7-D572-B803-11CE37A7F204}"/>
-                </a:ext>
-              </a:extLst>
-            </p:cNvPr>
-            <p:cNvSpPr txBox="1"/>
-            <p:nvPr/>
-          </p:nvSpPr>
-          <p:spPr>
-            <a:xfrm>
-              <a:off x="16766095" y="26518541"/>
-              <a:ext cx="3968741" cy="337816"/>
-            </a:xfrm>
-            <a:prstGeom prst="rect">
-              <a:avLst/>
-            </a:prstGeom>
-            <a:solidFill>
-              <a:schemeClr val="bg1"/>
-            </a:solidFill>
-          </p:spPr>
-          <p:txBody>
-            <a:bodyPr wrap="none" rtlCol="0">
-              <a:spAutoFit/>
-            </a:bodyPr>
-            <a:lstStyle/>
-            <a:p>
-              <a:pPr algn="ctr"/>
-              <a:r>
-                <a:rPr lang="en-US" dirty="0">
-                  <a:highlight>
-                    <a:srgbClr val="FFFF00"/>
-                  </a:highlight>
-                </a:rPr>
-                <a:t>Analysis for a network</a:t>
-              </a:r>
-              <a:r>
-                <a:rPr lang="en-US" dirty="0">
-                  <a:solidFill>
-                    <a:srgbClr val="FF0000"/>
-                  </a:solidFill>
-                  <a:highlight>
-                    <a:srgbClr val="FFFF00"/>
-                  </a:highlight>
-                </a:rPr>
-                <a:t>: Focus on Density  </a:t>
-              </a:r>
-            </a:p>
-          </p:txBody>
-        </p:sp>
-        <p:sp>
-          <p:nvSpPr>
             <p:cNvPr id="19" name="TextBox 30">
               <a:extLst>
                 <a:ext uri="{FF2B5EF4-FFF2-40B4-BE49-F238E27FC236}">
@@ -6108,59 +5967,6 @@
         </p:sp>
         <p:sp>
           <p:nvSpPr>
-            <p:cNvPr id="22" name="TextBox 1343">
-              <a:extLst>
-                <a:ext uri="{FF2B5EF4-FFF2-40B4-BE49-F238E27FC236}">
-                  <a16:creationId xmlns:a16="http://schemas.microsoft.com/office/drawing/2014/main" id="{B3266AB3-DD2A-D9DF-B11F-5C44DFD9C672}"/>
-                </a:ext>
-              </a:extLst>
-            </p:cNvPr>
-            <p:cNvSpPr txBox="1"/>
-            <p:nvPr/>
-          </p:nvSpPr>
-          <p:spPr>
-            <a:xfrm>
-              <a:off x="23293805" y="26500072"/>
-              <a:ext cx="4170825" cy="337816"/>
-            </a:xfrm>
-            <a:prstGeom prst="rect">
-              <a:avLst/>
-            </a:prstGeom>
-            <a:solidFill>
-              <a:schemeClr val="bg1"/>
-            </a:solidFill>
-          </p:spPr>
-          <p:txBody>
-            <a:bodyPr wrap="none" rtlCol="0">
-              <a:spAutoFit/>
-            </a:bodyPr>
-            <a:lstStyle/>
-            <a:p>
-              <a:pPr algn="ctr"/>
-              <a:r>
-                <a:rPr lang="en-US" dirty="0">
-                  <a:highlight>
-                    <a:srgbClr val="FFFF00"/>
-                  </a:highlight>
-                </a:rPr>
-                <a:t>Analysis for a network: </a:t>
-              </a:r>
-              <a:r>
-                <a:rPr lang="en-US" dirty="0">
-                  <a:solidFill>
-                    <a:srgbClr val="FF0000"/>
-                  </a:solidFill>
-                  <a:highlight>
-                    <a:srgbClr val="FFFF00"/>
-                  </a:highlight>
-                </a:rPr>
-                <a:t>Focus on Transitivity</a:t>
-              </a:r>
-            </a:p>
-          </p:txBody>
-        </p:sp>
-        <p:sp>
-          <p:nvSpPr>
             <p:cNvPr id="25" name="TextBox 30">
               <a:extLst>
                 <a:ext uri="{FF2B5EF4-FFF2-40B4-BE49-F238E27FC236}">
@@ -6236,77 +6042,6 @@
           </p:txBody>
         </p:sp>
       </p:grpSp>
-      <p:pic>
-        <p:nvPicPr>
-          <p:cNvPr id="14" name="Grafik 13">
-            <a:extLst>
-              <a:ext uri="{FF2B5EF4-FFF2-40B4-BE49-F238E27FC236}">
-                <a16:creationId xmlns:a16="http://schemas.microsoft.com/office/drawing/2014/main" id="{45BEFDD3-456F-39B9-01BB-66419BAB47FA}"/>
-              </a:ext>
-            </a:extLst>
-          </p:cNvPr>
-          <p:cNvPicPr>
-            <a:picLocks noChangeAspect="1"/>
-          </p:cNvPicPr>
-          <p:nvPr/>
-        </p:nvPicPr>
-        <p:blipFill>
-          <a:blip r:embed="rId10">
-            <a:extLst>
-              <a:ext uri="{BEBA8EAE-BF5A-486C-A8C5-ECC9F3942E4B}">
-                <a14:imgProps xmlns:a14="http://schemas.microsoft.com/office/drawing/2010/main">
-                  <a14:imgLayer r:embed="rId11">
-                    <a14:imgEffect>
-                      <a14:saturation sat="400000"/>
-                    </a14:imgEffect>
-                  </a14:imgLayer>
-                </a14:imgProps>
-              </a:ext>
-            </a:extLst>
-          </a:blip>
-          <a:srcRect t="3024" b="72355"/>
-          <a:stretch/>
-        </p:blipFill>
-        <p:spPr>
-          <a:xfrm>
-            <a:off x="1957440" y="22099746"/>
-            <a:ext cx="1431720" cy="1529464"/>
-          </a:xfrm>
-          <a:prstGeom prst="rect">
-            <a:avLst/>
-          </a:prstGeom>
-          <a:solidFill>
-            <a:srgbClr val="FFFFFF">
-              <a:shade val="85000"/>
-            </a:srgbClr>
-          </a:solidFill>
-          <a:ln w="88900" cap="sq">
-            <a:solidFill>
-              <a:srgbClr val="FFFFFF"/>
-            </a:solidFill>
-            <a:miter lim="800000"/>
-          </a:ln>
-          <a:effectLst>
-            <a:outerShdw blurRad="55000" dist="18000" dir="5400000" algn="tl" rotWithShape="0">
-              <a:srgbClr val="000000">
-                <a:alpha val="40000"/>
-              </a:srgbClr>
-            </a:outerShdw>
-          </a:effectLst>
-          <a:scene3d>
-            <a:camera prst="orthographicFront"/>
-            <a:lightRig rig="twoPt" dir="t">
-              <a:rot lat="0" lon="0" rev="7200000"/>
-            </a:lightRig>
-          </a:scene3d>
-          <a:sp3d>
-            <a:bevelT w="25400" h="19050"/>
-            <a:contourClr>
-              <a:srgbClr val="FFFFFF"/>
-            </a:contourClr>
-          </a:sp3d>
-        </p:spPr>
-      </p:pic>
       <p:sp>
         <p:nvSpPr>
           <p:cNvPr id="12" name="Textfeld 11">
@@ -6322,7 +6057,7 @@
         <p:spPr>
           <a:xfrm>
             <a:off x="15906761" y="21397119"/>
-            <a:ext cx="13207899" cy="3299045"/>
+            <a:ext cx="13207899" cy="2838021"/>
           </a:xfrm>
           <a:prstGeom prst="rect">
             <a:avLst/>
@@ -6347,502 +6082,12 @@
               <a:rPr lang="en-US" sz="2800" dirty="0">
                 <a:latin typeface="+mj-lt"/>
               </a:rPr>
-              <a:t>Density and transitivity are key metrics for interpreting a network mathematically. Density represents the ratio of actual to possible edges, indicating how interconnected the network is. Transitivity measures the likelihood that two neighbors of a node are also connected, reflecting the network's tendency to form closely connected communities or groups. Another prominent metric is average clustering, which quantifies the tendency of nodes to form tightly linked clusters by measuring the average probability that a node’s neighbors are interconnected.</a:t>
+              <a:t>Density, transitivity and average clustering are key metrics for interpreting a network mathematically. Density represents the ratio of actual to possible connections, indicating how interconnected the network is. Transitivity measures the likelihood that two neighbors of a neuron are also connected, reflecting the network's tendency to form closely connected groups. Average clustering quantifies the tendency of nodes to form tight clusters by measuring the average probability that a node’s neighbors are interconnected.</a:t>
             </a:r>
             <a:endParaRPr lang="en-US" sz="2800" dirty="0"/>
           </a:p>
         </p:txBody>
       </p:sp>
-      <p:grpSp>
-        <p:nvGrpSpPr>
-          <p:cNvPr id="39" name="Gruppieren 38">
-            <a:extLst>
-              <a:ext uri="{FF2B5EF4-FFF2-40B4-BE49-F238E27FC236}">
-                <a16:creationId xmlns:a16="http://schemas.microsoft.com/office/drawing/2014/main" id="{773B629D-6F6C-A8F1-4326-684CD605DCA8}"/>
-              </a:ext>
-            </a:extLst>
-          </p:cNvPr>
-          <p:cNvGrpSpPr/>
-          <p:nvPr/>
-        </p:nvGrpSpPr>
-        <p:grpSpPr>
-          <a:xfrm>
-            <a:off x="1330033" y="21293417"/>
-            <a:ext cx="5561846" cy="3321958"/>
-            <a:chOff x="22897130" y="21877174"/>
-            <a:chExt cx="5561846" cy="3321958"/>
-          </a:xfrm>
-        </p:grpSpPr>
-        <p:sp>
-          <p:nvSpPr>
-            <p:cNvPr id="44" name="Textfeld 43">
-              <a:extLst>
-                <a:ext uri="{FF2B5EF4-FFF2-40B4-BE49-F238E27FC236}">
-                  <a16:creationId xmlns:a16="http://schemas.microsoft.com/office/drawing/2014/main" id="{4AA66160-4678-82F1-DB4D-D430348F13E0}"/>
-                </a:ext>
-              </a:extLst>
-            </p:cNvPr>
-            <p:cNvSpPr txBox="1"/>
-            <p:nvPr/>
-          </p:nvSpPr>
-          <p:spPr>
-            <a:xfrm>
-              <a:off x="24431204" y="21877174"/>
-              <a:ext cx="2443162" cy="369332"/>
-            </a:xfrm>
-            <a:prstGeom prst="rect">
-              <a:avLst/>
-            </a:prstGeom>
-            <a:noFill/>
-          </p:spPr>
-          <p:txBody>
-            <a:bodyPr wrap="square">
-              <a:spAutoFit/>
-            </a:bodyPr>
-            <a:lstStyle/>
-            <a:p>
-              <a:r>
-                <a:rPr lang="de-DE" b="1" dirty="0">
-                  <a:solidFill>
-                    <a:srgbClr val="00B050"/>
-                  </a:solidFill>
-                  <a:latin typeface="Arial" panose="020B0604020202020204" pitchFamily="34" charset="0"/>
-                  <a:cs typeface="Arial" panose="020B0604020202020204" pitchFamily="34" charset="0"/>
-                </a:rPr>
-                <a:t>connected</a:t>
-              </a:r>
-            </a:p>
-          </p:txBody>
-        </p:sp>
-        <p:sp>
-          <p:nvSpPr>
-            <p:cNvPr id="46" name="Textfeld 45">
-              <a:extLst>
-                <a:ext uri="{FF2B5EF4-FFF2-40B4-BE49-F238E27FC236}">
-                  <a16:creationId xmlns:a16="http://schemas.microsoft.com/office/drawing/2014/main" id="{985BCE93-0374-772B-896D-F067214CB689}"/>
-                </a:ext>
-              </a:extLst>
-            </p:cNvPr>
-            <p:cNvSpPr txBox="1"/>
-            <p:nvPr/>
-          </p:nvSpPr>
-          <p:spPr>
-            <a:xfrm>
-              <a:off x="25148737" y="24829800"/>
-              <a:ext cx="2443162" cy="369332"/>
-            </a:xfrm>
-            <a:prstGeom prst="rect">
-              <a:avLst/>
-            </a:prstGeom>
-            <a:noFill/>
-          </p:spPr>
-          <p:txBody>
-            <a:bodyPr wrap="square">
-              <a:spAutoFit/>
-            </a:bodyPr>
-            <a:lstStyle/>
-            <a:p>
-              <a:r>
-                <a:rPr lang="en-US" b="1" dirty="0">
-                  <a:solidFill>
-                    <a:srgbClr val="FF0000"/>
-                  </a:solidFill>
-                  <a:latin typeface="Arial" panose="020B0604020202020204" pitchFamily="34" charset="0"/>
-                  <a:cs typeface="Arial" panose="020B0604020202020204" pitchFamily="34" charset="0"/>
-                </a:rPr>
-                <a:t>not connected</a:t>
-              </a:r>
-              <a:endParaRPr lang="de-DE" b="1" dirty="0">
-                <a:solidFill>
-                  <a:srgbClr val="FF0000"/>
-                </a:solidFill>
-                <a:latin typeface="Arial" panose="020B0604020202020204" pitchFamily="34" charset="0"/>
-                <a:cs typeface="Arial" panose="020B0604020202020204" pitchFamily="34" charset="0"/>
-              </a:endParaRPr>
-            </a:p>
-          </p:txBody>
-        </p:sp>
-        <p:pic>
-          <p:nvPicPr>
-            <p:cNvPr id="34" name="Grafik 33">
-              <a:extLst>
-                <a:ext uri="{FF2B5EF4-FFF2-40B4-BE49-F238E27FC236}">
-                  <a16:creationId xmlns:a16="http://schemas.microsoft.com/office/drawing/2014/main" id="{2868FA76-B80A-65CC-E109-B42D74A169BC}"/>
-                </a:ext>
-              </a:extLst>
-            </p:cNvPr>
-            <p:cNvPicPr>
-              <a:picLocks noChangeAspect="1"/>
-            </p:cNvPicPr>
-            <p:nvPr/>
-          </p:nvPicPr>
-          <p:blipFill>
-            <a:blip r:embed="rId12"/>
-            <a:srcRect t="70945" r="12127" b="4917"/>
-            <a:stretch/>
-          </p:blipFill>
-          <p:spPr>
-            <a:xfrm>
-              <a:off x="27027256" y="22697690"/>
-              <a:ext cx="1431720" cy="1529464"/>
-            </a:xfrm>
-            <a:prstGeom prst="rect">
-              <a:avLst/>
-            </a:prstGeom>
-            <a:solidFill>
-              <a:srgbClr val="FFFFFF">
-                <a:shade val="85000"/>
-              </a:srgbClr>
-            </a:solidFill>
-            <a:ln w="88900" cap="sq">
-              <a:solidFill>
-                <a:srgbClr val="FFFFFF"/>
-              </a:solidFill>
-              <a:miter lim="800000"/>
-            </a:ln>
-            <a:effectLst>
-              <a:outerShdw blurRad="55000" dist="18000" dir="5400000" algn="tl" rotWithShape="0">
-                <a:srgbClr val="000000">
-                  <a:alpha val="40000"/>
-                </a:srgbClr>
-              </a:outerShdw>
-            </a:effectLst>
-            <a:scene3d>
-              <a:camera prst="orthographicFront"/>
-              <a:lightRig rig="twoPt" dir="t">
-                <a:rot lat="0" lon="0" rev="7200000"/>
-              </a:lightRig>
-            </a:scene3d>
-            <a:sp3d>
-              <a:bevelT w="25400" h="19050"/>
-              <a:contourClr>
-                <a:srgbClr val="FFFFFF"/>
-              </a:contourClr>
-            </a:sp3d>
-          </p:spPr>
-        </p:pic>
-        <p:pic>
-          <p:nvPicPr>
-            <p:cNvPr id="36" name="Grafik 35">
-              <a:extLst>
-                <a:ext uri="{FF2B5EF4-FFF2-40B4-BE49-F238E27FC236}">
-                  <a16:creationId xmlns:a16="http://schemas.microsoft.com/office/drawing/2014/main" id="{1A6B2906-819B-47AD-502A-A2B27DCFE8BB}"/>
-                </a:ext>
-              </a:extLst>
-            </p:cNvPr>
-            <p:cNvPicPr>
-              <a:picLocks noChangeAspect="1"/>
-            </p:cNvPicPr>
-            <p:nvPr/>
-          </p:nvPicPr>
-          <p:blipFill>
-            <a:blip r:embed="rId13">
-              <a:extLst>
-                <a:ext uri="{BEBA8EAE-BF5A-486C-A8C5-ECC9F3942E4B}">
-                  <a14:imgProps xmlns:a14="http://schemas.microsoft.com/office/drawing/2010/main">
-                    <a14:imgLayer r:embed="rId11">
-                      <a14:imgEffect>
-                        <a14:saturation sat="300000"/>
-                      </a14:imgEffect>
-                    </a14:imgLayer>
-                  </a14:imgProps>
-                </a:ext>
-              </a:extLst>
-            </a:blip>
-            <a:srcRect t="36871" r="12127" b="38992"/>
-            <a:stretch/>
-          </p:blipFill>
-          <p:spPr>
-            <a:xfrm>
-              <a:off x="25245110" y="22690077"/>
-              <a:ext cx="1431720" cy="1529464"/>
-            </a:xfrm>
-            <a:prstGeom prst="rect">
-              <a:avLst/>
-            </a:prstGeom>
-            <a:solidFill>
-              <a:srgbClr val="FFFFFF">
-                <a:shade val="85000"/>
-              </a:srgbClr>
-            </a:solidFill>
-            <a:ln w="88900" cap="sq">
-              <a:solidFill>
-                <a:srgbClr val="FFFFFF"/>
-              </a:solidFill>
-              <a:miter lim="800000"/>
-            </a:ln>
-            <a:effectLst>
-              <a:outerShdw blurRad="55000" dist="18000" dir="5400000" algn="tl" rotWithShape="0">
-                <a:srgbClr val="000000">
-                  <a:alpha val="40000"/>
-                </a:srgbClr>
-              </a:outerShdw>
-            </a:effectLst>
-            <a:scene3d>
-              <a:camera prst="orthographicFront"/>
-              <a:lightRig rig="twoPt" dir="t">
-                <a:rot lat="0" lon="0" rev="7200000"/>
-              </a:lightRig>
-            </a:scene3d>
-            <a:sp3d>
-              <a:bevelT w="25400" h="19050"/>
-              <a:contourClr>
-                <a:srgbClr val="FFFFFF"/>
-              </a:contourClr>
-            </a:sp3d>
-          </p:spPr>
-        </p:pic>
-        <p:sp>
-          <p:nvSpPr>
-            <p:cNvPr id="45" name="Geschweifte Klammer rechts 44">
-              <a:extLst>
-                <a:ext uri="{FF2B5EF4-FFF2-40B4-BE49-F238E27FC236}">
-                  <a16:creationId xmlns:a16="http://schemas.microsoft.com/office/drawing/2014/main" id="{71BE5D94-1372-56D7-1BF5-85AE142B7B74}"/>
-                </a:ext>
-              </a:extLst>
-            </p:cNvPr>
-            <p:cNvSpPr/>
-            <p:nvPr/>
-          </p:nvSpPr>
-          <p:spPr>
-            <a:xfrm rot="16200000">
-              <a:off x="24832561" y="21351163"/>
-              <a:ext cx="369333" cy="2080260"/>
-            </a:xfrm>
-            <a:prstGeom prst="rightBrace">
-              <a:avLst/>
-            </a:prstGeom>
-            <a:ln w="28575">
-              <a:solidFill>
-                <a:schemeClr val="tx1"/>
-              </a:solidFill>
-            </a:ln>
-          </p:spPr>
-          <p:style>
-            <a:lnRef idx="1">
-              <a:schemeClr val="accent1"/>
-            </a:lnRef>
-            <a:fillRef idx="0">
-              <a:schemeClr val="accent1"/>
-            </a:fillRef>
-            <a:effectRef idx="0">
-              <a:schemeClr val="accent1"/>
-            </a:effectRef>
-            <a:fontRef idx="minor">
-              <a:schemeClr val="tx1"/>
-            </a:fontRef>
-          </p:style>
-          <p:txBody>
-            <a:bodyPr rtlCol="0" anchor="ctr"/>
-            <a:lstStyle/>
-            <a:p>
-              <a:pPr algn="ctr"/>
-              <a:endParaRPr lang="de-DE"/>
-            </a:p>
-          </p:txBody>
-        </p:sp>
-        <p:sp>
-          <p:nvSpPr>
-            <p:cNvPr id="47" name="Geschweifte Klammer rechts 46">
-              <a:extLst>
-                <a:ext uri="{FF2B5EF4-FFF2-40B4-BE49-F238E27FC236}">
-                  <a16:creationId xmlns:a16="http://schemas.microsoft.com/office/drawing/2014/main" id="{5D6B5C1E-149E-FDFE-A358-E0222B5F62D6}"/>
-                </a:ext>
-              </a:extLst>
-            </p:cNvPr>
-            <p:cNvSpPr/>
-            <p:nvPr/>
-          </p:nvSpPr>
-          <p:spPr>
-            <a:xfrm rot="5400000">
-              <a:off x="25735631" y="22766326"/>
-              <a:ext cx="369332" cy="3898325"/>
-            </a:xfrm>
-            <a:prstGeom prst="rightBrace">
-              <a:avLst/>
-            </a:prstGeom>
-            <a:ln w="28575">
-              <a:solidFill>
-                <a:schemeClr val="tx1"/>
-              </a:solidFill>
-            </a:ln>
-          </p:spPr>
-          <p:style>
-            <a:lnRef idx="1">
-              <a:schemeClr val="accent1"/>
-            </a:lnRef>
-            <a:fillRef idx="0">
-              <a:schemeClr val="accent1"/>
-            </a:fillRef>
-            <a:effectRef idx="0">
-              <a:schemeClr val="accent1"/>
-            </a:effectRef>
-            <a:fontRef idx="minor">
-              <a:schemeClr val="tx1"/>
-            </a:fontRef>
-          </p:style>
-          <p:txBody>
-            <a:bodyPr rtlCol="0" anchor="ctr"/>
-            <a:lstStyle/>
-            <a:p>
-              <a:pPr algn="ctr"/>
-              <a:endParaRPr lang="de-DE" dirty="0"/>
-            </a:p>
-          </p:txBody>
-        </p:sp>
-        <p:sp>
-          <p:nvSpPr>
-            <p:cNvPr id="31" name="Textfeld 30">
-              <a:extLst>
-                <a:ext uri="{FF2B5EF4-FFF2-40B4-BE49-F238E27FC236}">
-                  <a16:creationId xmlns:a16="http://schemas.microsoft.com/office/drawing/2014/main" id="{5D18C693-5F3B-E5D1-D531-88C304E9D1DD}"/>
-                </a:ext>
-              </a:extLst>
-            </p:cNvPr>
-            <p:cNvSpPr txBox="1"/>
-            <p:nvPr/>
-          </p:nvSpPr>
-          <p:spPr>
-            <a:xfrm rot="16200000">
-              <a:off x="22066283" y="23070640"/>
-              <a:ext cx="2000248" cy="338554"/>
-            </a:xfrm>
-            <a:prstGeom prst="rect">
-              <a:avLst/>
-            </a:prstGeom>
-            <a:noFill/>
-          </p:spPr>
-          <p:txBody>
-            <a:bodyPr wrap="square">
-              <a:spAutoFit/>
-            </a:bodyPr>
-            <a:lstStyle/>
-            <a:p>
-              <a:r>
-                <a:rPr lang="en-US" sz="1600" dirty="0">
-                  <a:latin typeface="+mj-lt"/>
-                </a:rPr>
-                <a:t>Neuronal activity</a:t>
-              </a:r>
-              <a:endParaRPr lang="de-DE" sz="1600" dirty="0"/>
-            </a:p>
-          </p:txBody>
-        </p:sp>
-        <p:sp>
-          <p:nvSpPr>
-            <p:cNvPr id="32" name="Textfeld 31">
-              <a:extLst>
-                <a:ext uri="{FF2B5EF4-FFF2-40B4-BE49-F238E27FC236}">
-                  <a16:creationId xmlns:a16="http://schemas.microsoft.com/office/drawing/2014/main" id="{5085F705-E0D4-0AF6-0808-DC65AD0D36CD}"/>
-                </a:ext>
-              </a:extLst>
-            </p:cNvPr>
-            <p:cNvSpPr txBox="1"/>
-            <p:nvPr/>
-          </p:nvSpPr>
-          <p:spPr>
-            <a:xfrm>
-              <a:off x="23868425" y="24253822"/>
-              <a:ext cx="1014481" cy="307777"/>
-            </a:xfrm>
-            <a:prstGeom prst="rect">
-              <a:avLst/>
-            </a:prstGeom>
-            <a:noFill/>
-          </p:spPr>
-          <p:txBody>
-            <a:bodyPr wrap="square">
-              <a:spAutoFit/>
-            </a:bodyPr>
-            <a:lstStyle/>
-            <a:p>
-              <a:r>
-                <a:rPr lang="en-US" sz="1400" dirty="0">
-                  <a:latin typeface="+mj-lt"/>
-                </a:rPr>
-                <a:t>Time </a:t>
-              </a:r>
-              <a:endParaRPr lang="de-DE" sz="1400" dirty="0"/>
-            </a:p>
-          </p:txBody>
-        </p:sp>
-        <p:sp>
-          <p:nvSpPr>
-            <p:cNvPr id="35" name="Textfeld 34">
-              <a:extLst>
-                <a:ext uri="{FF2B5EF4-FFF2-40B4-BE49-F238E27FC236}">
-                  <a16:creationId xmlns:a16="http://schemas.microsoft.com/office/drawing/2014/main" id="{24DA01E1-58CA-79D3-EE0A-19AC26698470}"/>
-                </a:ext>
-              </a:extLst>
-            </p:cNvPr>
-            <p:cNvSpPr txBox="1"/>
-            <p:nvPr/>
-          </p:nvSpPr>
-          <p:spPr>
-            <a:xfrm>
-              <a:off x="27444495" y="24290884"/>
-              <a:ext cx="1014481" cy="307777"/>
-            </a:xfrm>
-            <a:prstGeom prst="rect">
-              <a:avLst/>
-            </a:prstGeom>
-            <a:noFill/>
-          </p:spPr>
-          <p:txBody>
-            <a:bodyPr wrap="square">
-              <a:spAutoFit/>
-            </a:bodyPr>
-            <a:lstStyle/>
-            <a:p>
-              <a:r>
-                <a:rPr lang="en-US" sz="1400" dirty="0">
-                  <a:latin typeface="+mj-lt"/>
-                </a:rPr>
-                <a:t>Time </a:t>
-              </a:r>
-              <a:endParaRPr lang="de-DE" sz="1400" dirty="0"/>
-            </a:p>
-          </p:txBody>
-        </p:sp>
-        <p:sp>
-          <p:nvSpPr>
-            <p:cNvPr id="38" name="Textfeld 37">
-              <a:extLst>
-                <a:ext uri="{FF2B5EF4-FFF2-40B4-BE49-F238E27FC236}">
-                  <a16:creationId xmlns:a16="http://schemas.microsoft.com/office/drawing/2014/main" id="{0469759A-E2BB-6182-908A-0C86A012EC98}"/>
-                </a:ext>
-              </a:extLst>
-            </p:cNvPr>
-            <p:cNvSpPr txBox="1"/>
-            <p:nvPr/>
-          </p:nvSpPr>
-          <p:spPr>
-            <a:xfrm>
-              <a:off x="25652785" y="24270001"/>
-              <a:ext cx="1014481" cy="307777"/>
-            </a:xfrm>
-            <a:prstGeom prst="rect">
-              <a:avLst/>
-            </a:prstGeom>
-            <a:noFill/>
-          </p:spPr>
-          <p:txBody>
-            <a:bodyPr wrap="square">
-              <a:spAutoFit/>
-            </a:bodyPr>
-            <a:lstStyle/>
-            <a:p>
-              <a:r>
-                <a:rPr lang="en-US" sz="1400" dirty="0">
-                  <a:latin typeface="+mj-lt"/>
-                </a:rPr>
-                <a:t>Time </a:t>
-              </a:r>
-              <a:endParaRPr lang="de-DE" sz="1400" dirty="0"/>
-            </a:p>
-          </p:txBody>
-        </p:sp>
-      </p:grpSp>
       <p:pic>
         <p:nvPicPr>
           <p:cNvPr id="48" name="Grafik 47" descr="Ein Bild, das Reihe, Diagramm, Schrift, Screenshot enthält.&#10;&#10;Automatisch generierte Beschreibung">
@@ -6858,7 +6103,7 @@
           <p:nvPr/>
         </p:nvPicPr>
         <p:blipFill>
-          <a:blip r:embed="rId14">
+          <a:blip r:embed="rId10">
             <a:extLst>
               <a:ext uri="{28A0092B-C50C-407E-A947-70E740481C1C}">
                 <a14:useLocalDpi xmlns:a14="http://schemas.microsoft.com/office/drawing/2010/main" val="0"/>
@@ -6870,7 +6115,7 @@
         </p:blipFill>
         <p:spPr>
           <a:xfrm>
-            <a:off x="15811413" y="24696165"/>
+            <a:off x="15811413" y="24358539"/>
             <a:ext cx="13022668" cy="3280702"/>
           </a:xfrm>
           <a:prstGeom prst="rect">
@@ -6892,7 +6137,7 @@
         </p:nvGrpSpPr>
         <p:grpSpPr>
           <a:xfrm>
-            <a:off x="1088430" y="26365789"/>
+            <a:off x="1130470" y="22728768"/>
             <a:ext cx="13762856" cy="5700006"/>
             <a:chOff x="1134895" y="23047481"/>
             <a:chExt cx="13762856" cy="5700006"/>
@@ -6933,10 +6178,10 @@
               <p:nvPr/>
             </p:nvPicPr>
             <p:blipFill>
-              <a:blip r:embed="rId15">
+              <a:blip r:embed="rId11">
                 <a:extLst>
                   <a:ext uri="{96DAC541-7B7A-43D3-8B79-37D633B846F1}">
-                    <asvg:svgBlip xmlns:asvg="http://schemas.microsoft.com/office/drawing/2016/SVG/main" r:embed="rId16"/>
+                    <asvg:svgBlip xmlns:asvg="http://schemas.microsoft.com/office/drawing/2016/SVG/main" r:embed="rId12"/>
                   </a:ext>
                 </a:extLst>
               </a:blip>
@@ -7115,7 +6360,7 @@
             <p:nvPr/>
           </p:nvPicPr>
           <p:blipFill>
-            <a:blip r:embed="rId17">
+            <a:blip r:embed="rId13">
               <a:extLst>
                 <a:ext uri="{28A0092B-C50C-407E-A947-70E740481C1C}">
                   <a14:useLocalDpi xmlns:a14="http://schemas.microsoft.com/office/drawing/2010/main" val="0"/>
@@ -7170,10 +6415,10 @@
               <p:nvPr/>
             </p:nvPicPr>
             <p:blipFill>
-              <a:blip r:embed="rId15">
+              <a:blip r:embed="rId11">
                 <a:extLst>
                   <a:ext uri="{96DAC541-7B7A-43D3-8B79-37D633B846F1}">
-                    <asvg:svgBlip xmlns:asvg="http://schemas.microsoft.com/office/drawing/2016/SVG/main" r:embed="rId16"/>
+                    <asvg:svgBlip xmlns:asvg="http://schemas.microsoft.com/office/drawing/2016/SVG/main" r:embed="rId12"/>
                   </a:ext>
                 </a:extLst>
               </a:blip>
@@ -7276,10 +6521,10 @@
               <p:nvPr/>
             </p:nvPicPr>
             <p:blipFill>
-              <a:blip r:embed="rId18">
+              <a:blip r:embed="rId14">
                 <a:extLst>
                   <a:ext uri="{96DAC541-7B7A-43D3-8B79-37D633B846F1}">
-                    <asvg:svgBlip xmlns:asvg="http://schemas.microsoft.com/office/drawing/2016/SVG/main" r:embed="rId19"/>
+                    <asvg:svgBlip xmlns:asvg="http://schemas.microsoft.com/office/drawing/2016/SVG/main" r:embed="rId15"/>
                   </a:ext>
                 </a:extLst>
               </a:blip>
@@ -7312,10 +6557,10 @@
               <p:nvPr/>
             </p:nvPicPr>
             <p:blipFill>
-              <a:blip r:embed="rId20">
+              <a:blip r:embed="rId16">
                 <a:extLst>
                   <a:ext uri="{96DAC541-7B7A-43D3-8B79-37D633B846F1}">
-                    <asvg:svgBlip xmlns:asvg="http://schemas.microsoft.com/office/drawing/2016/SVG/main" r:embed="rId21"/>
+                    <asvg:svgBlip xmlns:asvg="http://schemas.microsoft.com/office/drawing/2016/SVG/main" r:embed="rId17"/>
                   </a:ext>
                 </a:extLst>
               </a:blip>
@@ -7410,10 +6655,10 @@
               <p:nvPr/>
             </p:nvPicPr>
             <p:blipFill>
-              <a:blip r:embed="rId18">
+              <a:blip r:embed="rId14">
                 <a:extLst>
                   <a:ext uri="{96DAC541-7B7A-43D3-8B79-37D633B846F1}">
-                    <asvg:svgBlip xmlns:asvg="http://schemas.microsoft.com/office/drawing/2016/SVG/main" r:embed="rId19"/>
+                    <asvg:svgBlip xmlns:asvg="http://schemas.microsoft.com/office/drawing/2016/SVG/main" r:embed="rId15"/>
                   </a:ext>
                 </a:extLst>
               </a:blip>
@@ -7446,10 +6691,10 @@
               <p:nvPr/>
             </p:nvPicPr>
             <p:blipFill>
-              <a:blip r:embed="rId20">
+              <a:blip r:embed="rId16">
                 <a:extLst>
                   <a:ext uri="{96DAC541-7B7A-43D3-8B79-37D633B846F1}">
-                    <asvg:svgBlip xmlns:asvg="http://schemas.microsoft.com/office/drawing/2016/SVG/main" r:embed="rId21"/>
+                    <asvg:svgBlip xmlns:asvg="http://schemas.microsoft.com/office/drawing/2016/SVG/main" r:embed="rId17"/>
                   </a:ext>
                 </a:extLst>
               </a:blip>
@@ -7524,8 +6769,8 @@
         </p:nvSpPr>
         <p:spPr>
           <a:xfrm>
-            <a:off x="7669108" y="21892960"/>
-            <a:ext cx="7087544" cy="2246769"/>
+            <a:off x="7398465" y="33278779"/>
+            <a:ext cx="7262806" cy="3539430"/>
           </a:xfrm>
           <a:prstGeom prst="rect">
             <a:avLst/>
@@ -7561,7 +6806,7 @@
             </a:pPr>
             <a:r>
               <a:rPr lang="en-US" sz="2800" dirty="0"/>
-              <a:t>Luminance traces illustrating functional connectivity of neurons based on simultaneous activation.</a:t>
+              <a:t>Luminance traces illustrate functional connectivity of neurons based on simultaneous activation.</a:t>
             </a:r>
             <a:endParaRPr kumimoji="0" lang="en-US" sz="2800" u="none" strike="noStrike" kern="1200" cap="none" spc="0" normalizeH="0" baseline="0" noProof="0" dirty="0">
               <a:ln>
@@ -7577,6 +6822,22 @@
               <a:ea typeface="+mn-ea"/>
               <a:cs typeface="+mn-cs"/>
             </a:endParaRPr>
+          </a:p>
+          <a:p>
+            <a:pPr algn="just">
+              <a:buClr>
+                <a:srgbClr val="A5A5A5">
+                  <a:lumMod val="75000"/>
+                </a:srgbClr>
+              </a:buClr>
+              <a:defRPr/>
+            </a:pPr>
+            <a:r>
+              <a:rPr lang="en-US" sz="2800" dirty="0">
+                <a:latin typeface="+mj-lt"/>
+              </a:rPr>
+              <a:t>Simultaneous activity is used subsequently to generate networks per animal and experimental session, where neurons are then functionally connected by activity.</a:t>
+            </a:r>
           </a:p>
           <a:p>
             <a:pPr marL="0" marR="0" lvl="0" indent="0" algn="just" defTabSz="457200" rtl="0" eaLnBrk="1" fontAlgn="auto" latinLnBrk="0" hangingPunct="1">
@@ -7600,15 +6861,6 @@
               <a:tabLst/>
               <a:defRPr/>
             </a:pPr>
-            <a:r>
-              <a:rPr lang="en-US" sz="2800" dirty="0">
-                <a:solidFill>
-                  <a:prstClr val="black"/>
-                </a:solidFill>
-                <a:latin typeface="Calibri Light" panose="020F0302020204030204"/>
-              </a:rPr>
-              <a:t>Networks are constructed and analyzed based on this definition.</a:t>
-            </a:r>
             <a:endParaRPr kumimoji="0" lang="en-US" sz="2800" u="none" strike="noStrike" kern="1200" cap="none" spc="0" normalizeH="0" baseline="0" noProof="0" dirty="0">
               <a:ln>
                 <a:noFill/>
@@ -7626,6 +6878,684 @@
           </a:p>
         </p:txBody>
       </p:sp>
+      <p:sp>
+        <p:nvSpPr>
+          <p:cNvPr id="3" name="Textfeld 2">
+            <a:extLst>
+              <a:ext uri="{FF2B5EF4-FFF2-40B4-BE49-F238E27FC236}">
+                <a16:creationId xmlns:a16="http://schemas.microsoft.com/office/drawing/2014/main" id="{2E55DBD2-F162-AAA9-A4AE-C882731CE686}"/>
+              </a:ext>
+            </a:extLst>
+          </p:cNvPr>
+          <p:cNvSpPr txBox="1"/>
+          <p:nvPr/>
+        </p:nvSpPr>
+        <p:spPr>
+          <a:xfrm>
+            <a:off x="15906761" y="30756856"/>
+            <a:ext cx="976312" cy="523220"/>
+          </a:xfrm>
+          <a:prstGeom prst="rect">
+            <a:avLst/>
+          </a:prstGeom>
+          <a:noFill/>
+        </p:spPr>
+        <p:txBody>
+          <a:bodyPr wrap="square">
+            <a:spAutoFit/>
+          </a:bodyPr>
+          <a:lstStyle/>
+          <a:p>
+            <a:r>
+              <a:rPr lang="en-US" sz="2800" b="1" dirty="0">
+                <a:solidFill>
+                  <a:srgbClr val="009F73"/>
+                </a:solidFill>
+                <a:latin typeface="Arial" panose="020B0604020202020204" pitchFamily="34" charset="0"/>
+                <a:cs typeface="Arial" panose="020B0604020202020204" pitchFamily="34" charset="0"/>
+              </a:rPr>
+              <a:t>R+</a:t>
+            </a:r>
+            <a:endParaRPr lang="de-DE" sz="2800" b="1" dirty="0">
+              <a:solidFill>
+                <a:srgbClr val="009F73"/>
+              </a:solidFill>
+              <a:latin typeface="Arial" panose="020B0604020202020204" pitchFamily="34" charset="0"/>
+              <a:cs typeface="Arial" panose="020B0604020202020204" pitchFamily="34" charset="0"/>
+            </a:endParaRPr>
+          </a:p>
+        </p:txBody>
+      </p:sp>
+      <p:sp>
+        <p:nvSpPr>
+          <p:cNvPr id="4" name="Textfeld 3">
+            <a:extLst>
+              <a:ext uri="{FF2B5EF4-FFF2-40B4-BE49-F238E27FC236}">
+                <a16:creationId xmlns:a16="http://schemas.microsoft.com/office/drawing/2014/main" id="{7AEE0D7A-D041-182A-134E-ADB3129C552A}"/>
+              </a:ext>
+            </a:extLst>
+          </p:cNvPr>
+          <p:cNvSpPr txBox="1"/>
+          <p:nvPr/>
+        </p:nvSpPr>
+        <p:spPr>
+          <a:xfrm>
+            <a:off x="22638066" y="30723454"/>
+            <a:ext cx="642937" cy="523220"/>
+          </a:xfrm>
+          <a:prstGeom prst="rect">
+            <a:avLst/>
+          </a:prstGeom>
+          <a:noFill/>
+        </p:spPr>
+        <p:txBody>
+          <a:bodyPr wrap="square">
+            <a:spAutoFit/>
+          </a:bodyPr>
+          <a:lstStyle/>
+          <a:p>
+            <a:r>
+              <a:rPr lang="en-US" sz="2800" b="1" dirty="0">
+                <a:solidFill>
+                  <a:srgbClr val="E49E00"/>
+                </a:solidFill>
+                <a:latin typeface="Arial" panose="020B0604020202020204" pitchFamily="34" charset="0"/>
+                <a:cs typeface="Arial" panose="020B0604020202020204" pitchFamily="34" charset="0"/>
+              </a:rPr>
+              <a:t>R-</a:t>
+            </a:r>
+            <a:endParaRPr lang="de-DE" sz="2800" b="1" dirty="0">
+              <a:solidFill>
+                <a:srgbClr val="E49E00"/>
+              </a:solidFill>
+              <a:latin typeface="Arial" panose="020B0604020202020204" pitchFamily="34" charset="0"/>
+              <a:cs typeface="Arial" panose="020B0604020202020204" pitchFamily="34" charset="0"/>
+            </a:endParaRPr>
+          </a:p>
+        </p:txBody>
+      </p:sp>
+      <p:grpSp>
+        <p:nvGrpSpPr>
+          <p:cNvPr id="1346" name="Gruppieren 1345">
+            <a:extLst>
+              <a:ext uri="{FF2B5EF4-FFF2-40B4-BE49-F238E27FC236}">
+                <a16:creationId xmlns:a16="http://schemas.microsoft.com/office/drawing/2014/main" id="{991A0613-A437-87C1-80A0-282E139A1DA5}"/>
+              </a:ext>
+            </a:extLst>
+          </p:cNvPr>
+          <p:cNvGrpSpPr/>
+          <p:nvPr/>
+        </p:nvGrpSpPr>
+        <p:grpSpPr>
+          <a:xfrm>
+            <a:off x="1254680" y="33077752"/>
+            <a:ext cx="5561846" cy="3321958"/>
+            <a:chOff x="1330033" y="21293417"/>
+            <a:chExt cx="5561846" cy="3321958"/>
+          </a:xfrm>
+        </p:grpSpPr>
+        <p:pic>
+          <p:nvPicPr>
+            <p:cNvPr id="7" name="Grafik 6">
+              <a:extLst>
+                <a:ext uri="{FF2B5EF4-FFF2-40B4-BE49-F238E27FC236}">
+                  <a16:creationId xmlns:a16="http://schemas.microsoft.com/office/drawing/2014/main" id="{45BEFDD3-456F-39B9-01BB-66419BAB47FA}"/>
+                </a:ext>
+              </a:extLst>
+            </p:cNvPr>
+            <p:cNvPicPr>
+              <a:picLocks noChangeAspect="1"/>
+            </p:cNvPicPr>
+            <p:nvPr/>
+          </p:nvPicPr>
+          <p:blipFill>
+            <a:blip r:embed="rId18">
+              <a:extLst>
+                <a:ext uri="{BEBA8EAE-BF5A-486C-A8C5-ECC9F3942E4B}">
+                  <a14:imgProps xmlns:a14="http://schemas.microsoft.com/office/drawing/2010/main">
+                    <a14:imgLayer r:embed="rId19">
+                      <a14:imgEffect>
+                        <a14:saturation sat="400000"/>
+                      </a14:imgEffect>
+                    </a14:imgLayer>
+                  </a14:imgProps>
+                </a:ext>
+              </a:extLst>
+            </a:blip>
+            <a:srcRect t="3024" b="72355"/>
+            <a:stretch/>
+          </p:blipFill>
+          <p:spPr>
+            <a:xfrm>
+              <a:off x="1957440" y="22099746"/>
+              <a:ext cx="1431720" cy="1529464"/>
+            </a:xfrm>
+            <a:prstGeom prst="rect">
+              <a:avLst/>
+            </a:prstGeom>
+            <a:solidFill>
+              <a:srgbClr val="FFFFFF">
+                <a:shade val="85000"/>
+              </a:srgbClr>
+            </a:solidFill>
+            <a:ln w="88900" cap="sq">
+              <a:solidFill>
+                <a:srgbClr val="FFFFFF"/>
+              </a:solidFill>
+              <a:miter lim="800000"/>
+            </a:ln>
+            <a:effectLst>
+              <a:outerShdw blurRad="55000" dist="18000" dir="5400000" algn="tl" rotWithShape="0">
+                <a:srgbClr val="000000">
+                  <a:alpha val="40000"/>
+                </a:srgbClr>
+              </a:outerShdw>
+            </a:effectLst>
+            <a:scene3d>
+              <a:camera prst="orthographicFront"/>
+              <a:lightRig rig="twoPt" dir="t">
+                <a:rot lat="0" lon="0" rev="7200000"/>
+              </a:lightRig>
+            </a:scene3d>
+            <a:sp3d>
+              <a:bevelT w="25400" h="19050"/>
+              <a:contourClr>
+                <a:srgbClr val="FFFFFF"/>
+              </a:contourClr>
+            </a:sp3d>
+          </p:spPr>
+        </p:pic>
+        <p:grpSp>
+          <p:nvGrpSpPr>
+            <p:cNvPr id="28" name="Gruppieren 27">
+              <a:extLst>
+                <a:ext uri="{FF2B5EF4-FFF2-40B4-BE49-F238E27FC236}">
+                  <a16:creationId xmlns:a16="http://schemas.microsoft.com/office/drawing/2014/main" id="{773B629D-6F6C-A8F1-4326-684CD605DCA8}"/>
+                </a:ext>
+              </a:extLst>
+            </p:cNvPr>
+            <p:cNvGrpSpPr/>
+            <p:nvPr/>
+          </p:nvGrpSpPr>
+          <p:grpSpPr>
+            <a:xfrm>
+              <a:off x="1330033" y="21293417"/>
+              <a:ext cx="5561846" cy="3321958"/>
+              <a:chOff x="22897130" y="21877174"/>
+              <a:chExt cx="5561846" cy="3321958"/>
+            </a:xfrm>
+          </p:grpSpPr>
+          <p:sp>
+            <p:nvSpPr>
+              <p:cNvPr id="49" name="Textfeld 48">
+                <a:extLst>
+                  <a:ext uri="{FF2B5EF4-FFF2-40B4-BE49-F238E27FC236}">
+                    <a16:creationId xmlns:a16="http://schemas.microsoft.com/office/drawing/2014/main" id="{4AA66160-4678-82F1-DB4D-D430348F13E0}"/>
+                  </a:ext>
+                </a:extLst>
+              </p:cNvPr>
+              <p:cNvSpPr txBox="1"/>
+              <p:nvPr/>
+            </p:nvSpPr>
+            <p:spPr>
+              <a:xfrm>
+                <a:off x="24431204" y="21877174"/>
+                <a:ext cx="2443162" cy="369332"/>
+              </a:xfrm>
+              <a:prstGeom prst="rect">
+                <a:avLst/>
+              </a:prstGeom>
+              <a:noFill/>
+            </p:spPr>
+            <p:txBody>
+              <a:bodyPr wrap="square">
+                <a:spAutoFit/>
+              </a:bodyPr>
+              <a:lstStyle/>
+              <a:p>
+                <a:r>
+                  <a:rPr lang="de-DE" b="1" dirty="0">
+                    <a:solidFill>
+                      <a:srgbClr val="00B050"/>
+                    </a:solidFill>
+                    <a:latin typeface="Arial" panose="020B0604020202020204" pitchFamily="34" charset="0"/>
+                    <a:cs typeface="Arial" panose="020B0604020202020204" pitchFamily="34" charset="0"/>
+                  </a:rPr>
+                  <a:t>connected</a:t>
+                </a:r>
+              </a:p>
+            </p:txBody>
+          </p:sp>
+          <p:sp>
+            <p:nvSpPr>
+              <p:cNvPr id="56" name="Textfeld 55">
+                <a:extLst>
+                  <a:ext uri="{FF2B5EF4-FFF2-40B4-BE49-F238E27FC236}">
+                    <a16:creationId xmlns:a16="http://schemas.microsoft.com/office/drawing/2014/main" id="{985BCE93-0374-772B-896D-F067214CB689}"/>
+                  </a:ext>
+                </a:extLst>
+              </p:cNvPr>
+              <p:cNvSpPr txBox="1"/>
+              <p:nvPr/>
+            </p:nvSpPr>
+            <p:spPr>
+              <a:xfrm>
+                <a:off x="25148737" y="24829800"/>
+                <a:ext cx="2443162" cy="369332"/>
+              </a:xfrm>
+              <a:prstGeom prst="rect">
+                <a:avLst/>
+              </a:prstGeom>
+              <a:noFill/>
+            </p:spPr>
+            <p:txBody>
+              <a:bodyPr wrap="square">
+                <a:spAutoFit/>
+              </a:bodyPr>
+              <a:lstStyle/>
+              <a:p>
+                <a:r>
+                  <a:rPr lang="en-US" b="1" dirty="0">
+                    <a:solidFill>
+                      <a:srgbClr val="FF0000"/>
+                    </a:solidFill>
+                    <a:latin typeface="Arial" panose="020B0604020202020204" pitchFamily="34" charset="0"/>
+                    <a:cs typeface="Arial" panose="020B0604020202020204" pitchFamily="34" charset="0"/>
+                  </a:rPr>
+                  <a:t>not connected</a:t>
+                </a:r>
+                <a:endParaRPr lang="de-DE" b="1" dirty="0">
+                  <a:solidFill>
+                    <a:srgbClr val="FF0000"/>
+                  </a:solidFill>
+                  <a:latin typeface="Arial" panose="020B0604020202020204" pitchFamily="34" charset="0"/>
+                  <a:cs typeface="Arial" panose="020B0604020202020204" pitchFamily="34" charset="0"/>
+                </a:endParaRPr>
+              </a:p>
+            </p:txBody>
+          </p:sp>
+          <p:pic>
+            <p:nvPicPr>
+              <p:cNvPr id="57" name="Grafik 56">
+                <a:extLst>
+                  <a:ext uri="{FF2B5EF4-FFF2-40B4-BE49-F238E27FC236}">
+                    <a16:creationId xmlns:a16="http://schemas.microsoft.com/office/drawing/2014/main" id="{2868FA76-B80A-65CC-E109-B42D74A169BC}"/>
+                  </a:ext>
+                </a:extLst>
+              </p:cNvPr>
+              <p:cNvPicPr>
+                <a:picLocks noChangeAspect="1"/>
+              </p:cNvPicPr>
+              <p:nvPr/>
+            </p:nvPicPr>
+            <p:blipFill>
+              <a:blip r:embed="rId20"/>
+              <a:srcRect t="70945" r="12127" b="4917"/>
+              <a:stretch/>
+            </p:blipFill>
+            <p:spPr>
+              <a:xfrm>
+                <a:off x="27027256" y="22697690"/>
+                <a:ext cx="1431720" cy="1529464"/>
+              </a:xfrm>
+              <a:prstGeom prst="rect">
+                <a:avLst/>
+              </a:prstGeom>
+              <a:solidFill>
+                <a:srgbClr val="FFFFFF">
+                  <a:shade val="85000"/>
+                </a:srgbClr>
+              </a:solidFill>
+              <a:ln w="88900" cap="sq">
+                <a:solidFill>
+                  <a:srgbClr val="FFFFFF"/>
+                </a:solidFill>
+                <a:miter lim="800000"/>
+              </a:ln>
+              <a:effectLst>
+                <a:outerShdw blurRad="55000" dist="18000" dir="5400000" algn="tl" rotWithShape="0">
+                  <a:srgbClr val="000000">
+                    <a:alpha val="40000"/>
+                  </a:srgbClr>
+                </a:outerShdw>
+              </a:effectLst>
+              <a:scene3d>
+                <a:camera prst="orthographicFront"/>
+                <a:lightRig rig="twoPt" dir="t">
+                  <a:rot lat="0" lon="0" rev="7200000"/>
+                </a:lightRig>
+              </a:scene3d>
+              <a:sp3d>
+                <a:bevelT w="25400" h="19050"/>
+                <a:contourClr>
+                  <a:srgbClr val="FFFFFF"/>
+                </a:contourClr>
+              </a:sp3d>
+            </p:spPr>
+          </p:pic>
+          <p:pic>
+            <p:nvPicPr>
+              <p:cNvPr id="59" name="Grafik 58">
+                <a:extLst>
+                  <a:ext uri="{FF2B5EF4-FFF2-40B4-BE49-F238E27FC236}">
+                    <a16:creationId xmlns:a16="http://schemas.microsoft.com/office/drawing/2014/main" id="{1A6B2906-819B-47AD-502A-A2B27DCFE8BB}"/>
+                  </a:ext>
+                </a:extLst>
+              </p:cNvPr>
+              <p:cNvPicPr>
+                <a:picLocks noChangeAspect="1"/>
+              </p:cNvPicPr>
+              <p:nvPr/>
+            </p:nvPicPr>
+            <p:blipFill>
+              <a:blip r:embed="rId21">
+                <a:extLst>
+                  <a:ext uri="{BEBA8EAE-BF5A-486C-A8C5-ECC9F3942E4B}">
+                    <a14:imgProps xmlns:a14="http://schemas.microsoft.com/office/drawing/2010/main">
+                      <a14:imgLayer r:embed="rId19">
+                        <a14:imgEffect>
+                          <a14:saturation sat="300000"/>
+                        </a14:imgEffect>
+                      </a14:imgLayer>
+                    </a14:imgProps>
+                  </a:ext>
+                </a:extLst>
+              </a:blip>
+              <a:srcRect t="36871" r="12127" b="38992"/>
+              <a:stretch/>
+            </p:blipFill>
+            <p:spPr>
+              <a:xfrm>
+                <a:off x="25245110" y="22690077"/>
+                <a:ext cx="1431720" cy="1529464"/>
+              </a:xfrm>
+              <a:prstGeom prst="rect">
+                <a:avLst/>
+              </a:prstGeom>
+              <a:solidFill>
+                <a:srgbClr val="FFFFFF">
+                  <a:shade val="85000"/>
+                </a:srgbClr>
+              </a:solidFill>
+              <a:ln w="88900" cap="sq">
+                <a:solidFill>
+                  <a:srgbClr val="FFFFFF"/>
+                </a:solidFill>
+                <a:miter lim="800000"/>
+              </a:ln>
+              <a:effectLst>
+                <a:outerShdw blurRad="55000" dist="18000" dir="5400000" algn="tl" rotWithShape="0">
+                  <a:srgbClr val="000000">
+                    <a:alpha val="40000"/>
+                  </a:srgbClr>
+                </a:outerShdw>
+              </a:effectLst>
+              <a:scene3d>
+                <a:camera prst="orthographicFront"/>
+                <a:lightRig rig="twoPt" dir="t">
+                  <a:rot lat="0" lon="0" rev="7200000"/>
+                </a:lightRig>
+              </a:scene3d>
+              <a:sp3d>
+                <a:bevelT w="25400" h="19050"/>
+                <a:contourClr>
+                  <a:srgbClr val="FFFFFF"/>
+                </a:contourClr>
+              </a:sp3d>
+            </p:spPr>
+          </p:pic>
+          <p:sp>
+            <p:nvSpPr>
+              <p:cNvPr id="60" name="Geschweifte Klammer rechts 59">
+                <a:extLst>
+                  <a:ext uri="{FF2B5EF4-FFF2-40B4-BE49-F238E27FC236}">
+                    <a16:creationId xmlns:a16="http://schemas.microsoft.com/office/drawing/2014/main" id="{71BE5D94-1372-56D7-1BF5-85AE142B7B74}"/>
+                  </a:ext>
+                </a:extLst>
+              </p:cNvPr>
+              <p:cNvSpPr/>
+              <p:nvPr/>
+            </p:nvSpPr>
+            <p:spPr>
+              <a:xfrm rot="16200000">
+                <a:off x="24832561" y="21351163"/>
+                <a:ext cx="369333" cy="2080260"/>
+              </a:xfrm>
+              <a:prstGeom prst="rightBrace">
+                <a:avLst/>
+              </a:prstGeom>
+              <a:ln w="28575">
+                <a:solidFill>
+                  <a:schemeClr val="tx1"/>
+                </a:solidFill>
+              </a:ln>
+            </p:spPr>
+            <p:style>
+              <a:lnRef idx="1">
+                <a:schemeClr val="accent1"/>
+              </a:lnRef>
+              <a:fillRef idx="0">
+                <a:schemeClr val="accent1"/>
+              </a:fillRef>
+              <a:effectRef idx="0">
+                <a:schemeClr val="accent1"/>
+              </a:effectRef>
+              <a:fontRef idx="minor">
+                <a:schemeClr val="tx1"/>
+              </a:fontRef>
+            </p:style>
+            <p:txBody>
+              <a:bodyPr rtlCol="0" anchor="ctr"/>
+              <a:lstStyle/>
+              <a:p>
+                <a:pPr algn="ctr"/>
+                <a:endParaRPr lang="de-DE"/>
+              </a:p>
+            </p:txBody>
+          </p:sp>
+          <p:sp>
+            <p:nvSpPr>
+              <p:cNvPr id="61" name="Geschweifte Klammer rechts 60">
+                <a:extLst>
+                  <a:ext uri="{FF2B5EF4-FFF2-40B4-BE49-F238E27FC236}">
+                    <a16:creationId xmlns:a16="http://schemas.microsoft.com/office/drawing/2014/main" id="{5D6B5C1E-149E-FDFE-A358-E0222B5F62D6}"/>
+                  </a:ext>
+                </a:extLst>
+              </p:cNvPr>
+              <p:cNvSpPr/>
+              <p:nvPr/>
+            </p:nvSpPr>
+            <p:spPr>
+              <a:xfrm rot="5400000">
+                <a:off x="25735631" y="22766326"/>
+                <a:ext cx="369332" cy="3898325"/>
+              </a:xfrm>
+              <a:prstGeom prst="rightBrace">
+                <a:avLst/>
+              </a:prstGeom>
+              <a:ln w="28575">
+                <a:solidFill>
+                  <a:schemeClr val="tx1"/>
+                </a:solidFill>
+              </a:ln>
+            </p:spPr>
+            <p:style>
+              <a:lnRef idx="1">
+                <a:schemeClr val="accent1"/>
+              </a:lnRef>
+              <a:fillRef idx="0">
+                <a:schemeClr val="accent1"/>
+              </a:fillRef>
+              <a:effectRef idx="0">
+                <a:schemeClr val="accent1"/>
+              </a:effectRef>
+              <a:fontRef idx="minor">
+                <a:schemeClr val="tx1"/>
+              </a:fontRef>
+            </p:style>
+            <p:txBody>
+              <a:bodyPr rtlCol="0" anchor="ctr"/>
+              <a:lstStyle/>
+              <a:p>
+                <a:pPr algn="ctr"/>
+                <a:endParaRPr lang="de-DE" dirty="0"/>
+              </a:p>
+            </p:txBody>
+          </p:sp>
+          <p:sp>
+            <p:nvSpPr>
+              <p:cNvPr id="62" name="Textfeld 61">
+                <a:extLst>
+                  <a:ext uri="{FF2B5EF4-FFF2-40B4-BE49-F238E27FC236}">
+                    <a16:creationId xmlns:a16="http://schemas.microsoft.com/office/drawing/2014/main" id="{5D18C693-5F3B-E5D1-D531-88C304E9D1DD}"/>
+                  </a:ext>
+                </a:extLst>
+              </p:cNvPr>
+              <p:cNvSpPr txBox="1"/>
+              <p:nvPr/>
+            </p:nvSpPr>
+            <p:spPr>
+              <a:xfrm rot="16200000">
+                <a:off x="22066283" y="23070640"/>
+                <a:ext cx="2000248" cy="338554"/>
+              </a:xfrm>
+              <a:prstGeom prst="rect">
+                <a:avLst/>
+              </a:prstGeom>
+              <a:noFill/>
+            </p:spPr>
+            <p:txBody>
+              <a:bodyPr wrap="square">
+                <a:spAutoFit/>
+              </a:bodyPr>
+              <a:lstStyle/>
+              <a:p>
+                <a:r>
+                  <a:rPr lang="en-US" sz="1600" dirty="0">
+                    <a:latin typeface="+mj-lt"/>
+                  </a:rPr>
+                  <a:t>Neuronal activity</a:t>
+                </a:r>
+                <a:endParaRPr lang="de-DE" sz="1600" dirty="0"/>
+              </a:p>
+            </p:txBody>
+          </p:sp>
+          <p:sp>
+            <p:nvSpPr>
+              <p:cNvPr id="63" name="Textfeld 62">
+                <a:extLst>
+                  <a:ext uri="{FF2B5EF4-FFF2-40B4-BE49-F238E27FC236}">
+                    <a16:creationId xmlns:a16="http://schemas.microsoft.com/office/drawing/2014/main" id="{5085F705-E0D4-0AF6-0808-DC65AD0D36CD}"/>
+                  </a:ext>
+                </a:extLst>
+              </p:cNvPr>
+              <p:cNvSpPr txBox="1"/>
+              <p:nvPr/>
+            </p:nvSpPr>
+            <p:spPr>
+              <a:xfrm>
+                <a:off x="23868425" y="24253822"/>
+                <a:ext cx="1014481" cy="307777"/>
+              </a:xfrm>
+              <a:prstGeom prst="rect">
+                <a:avLst/>
+              </a:prstGeom>
+              <a:noFill/>
+            </p:spPr>
+            <p:txBody>
+              <a:bodyPr wrap="square">
+                <a:spAutoFit/>
+              </a:bodyPr>
+              <a:lstStyle/>
+              <a:p>
+                <a:r>
+                  <a:rPr lang="en-US" sz="1400" dirty="0">
+                    <a:latin typeface="+mj-lt"/>
+                  </a:rPr>
+                  <a:t>Time </a:t>
+                </a:r>
+                <a:endParaRPr lang="de-DE" sz="1400" dirty="0"/>
+              </a:p>
+            </p:txBody>
+          </p:sp>
+          <p:sp>
+            <p:nvSpPr>
+              <p:cNvPr id="1344" name="Textfeld 1343">
+                <a:extLst>
+                  <a:ext uri="{FF2B5EF4-FFF2-40B4-BE49-F238E27FC236}">
+                    <a16:creationId xmlns:a16="http://schemas.microsoft.com/office/drawing/2014/main" id="{24DA01E1-58CA-79D3-EE0A-19AC26698470}"/>
+                  </a:ext>
+                </a:extLst>
+              </p:cNvPr>
+              <p:cNvSpPr txBox="1"/>
+              <p:nvPr/>
+            </p:nvSpPr>
+            <p:spPr>
+              <a:xfrm>
+                <a:off x="27444495" y="24290884"/>
+                <a:ext cx="1014481" cy="307777"/>
+              </a:xfrm>
+              <a:prstGeom prst="rect">
+                <a:avLst/>
+              </a:prstGeom>
+              <a:noFill/>
+            </p:spPr>
+            <p:txBody>
+              <a:bodyPr wrap="square">
+                <a:spAutoFit/>
+              </a:bodyPr>
+              <a:lstStyle/>
+              <a:p>
+                <a:r>
+                  <a:rPr lang="en-US" sz="1400" dirty="0">
+                    <a:latin typeface="+mj-lt"/>
+                  </a:rPr>
+                  <a:t>Time </a:t>
+                </a:r>
+                <a:endParaRPr lang="de-DE" sz="1400" dirty="0"/>
+              </a:p>
+            </p:txBody>
+          </p:sp>
+          <p:sp>
+            <p:nvSpPr>
+              <p:cNvPr id="1345" name="Textfeld 1344">
+                <a:extLst>
+                  <a:ext uri="{FF2B5EF4-FFF2-40B4-BE49-F238E27FC236}">
+                    <a16:creationId xmlns:a16="http://schemas.microsoft.com/office/drawing/2014/main" id="{0469759A-E2BB-6182-908A-0C86A012EC98}"/>
+                  </a:ext>
+                </a:extLst>
+              </p:cNvPr>
+              <p:cNvSpPr txBox="1"/>
+              <p:nvPr/>
+            </p:nvSpPr>
+            <p:spPr>
+              <a:xfrm>
+                <a:off x="25652785" y="24270001"/>
+                <a:ext cx="1014481" cy="307777"/>
+              </a:xfrm>
+              <a:prstGeom prst="rect">
+                <a:avLst/>
+              </a:prstGeom>
+              <a:noFill/>
+            </p:spPr>
+            <p:txBody>
+              <a:bodyPr wrap="square">
+                <a:spAutoFit/>
+              </a:bodyPr>
+              <a:lstStyle/>
+              <a:p>
+                <a:r>
+                  <a:rPr lang="en-US" sz="1400" dirty="0">
+                    <a:latin typeface="+mj-lt"/>
+                  </a:rPr>
+                  <a:t>Time </a:t>
+                </a:r>
+                <a:endParaRPr lang="de-DE" sz="1400" dirty="0"/>
+              </a:p>
+            </p:txBody>
+          </p:sp>
+        </p:grpSp>
+      </p:grpSp>
     </p:spTree>
     <p:extLst>
       <p:ext uri="{BB962C8B-B14F-4D97-AF65-F5344CB8AC3E}">
